--- a/Tut_Files/Tut_12.12.pptx
+++ b/Tut_Files/Tut_12.12.pptx
@@ -6,9 +6,10 @@
   </p:sldMasterIdLst>
   <p:sldIdLst>
     <p:sldId id="257" r:id="rId2"/>
-    <p:sldId id="260" r:id="rId3"/>
-    <p:sldId id="258" r:id="rId4"/>
-    <p:sldId id="259" r:id="rId5"/>
+    <p:sldId id="261" r:id="rId3"/>
+    <p:sldId id="260" r:id="rId4"/>
+    <p:sldId id="258" r:id="rId5"/>
+    <p:sldId id="259" r:id="rId6"/>
   </p:sldIdLst>
   <p:sldSz cx="12192000" cy="6858000"/>
   <p:notesSz cx="6858000" cy="9144000"/>
@@ -107,6 +108,11 @@
       </a:defRPr>
     </a:lvl9pPr>
   </p:defaultTextStyle>
+  <p:extLst>
+    <p:ext uri="{EFAFB233-063F-42B5-8137-9DF3F51BA10A}">
+      <p15:sldGuideLst xmlns:p15="http://schemas.microsoft.com/office/powerpoint/2012/main"/>
+    </p:ext>
+  </p:extLst>
 </p:presentation>
 </file>
 
@@ -241,7 +247,7 @@
           <a:p>
             <a:fld id="{466C95E4-96CC-434F-90B0-5FA5B006DCCA}" type="datetimeFigureOut">
               <a:rPr lang="de-DE" smtClean="0"/>
-              <a:t>09.12.2016</a:t>
+              <a:t>11.12.2016</a:t>
             </a:fld>
             <a:endParaRPr lang="de-DE"/>
           </a:p>
@@ -411,7 +417,7 @@
           <a:p>
             <a:fld id="{466C95E4-96CC-434F-90B0-5FA5B006DCCA}" type="datetimeFigureOut">
               <a:rPr lang="de-DE" smtClean="0"/>
-              <a:t>09.12.2016</a:t>
+              <a:t>11.12.2016</a:t>
             </a:fld>
             <a:endParaRPr lang="de-DE"/>
           </a:p>
@@ -591,7 +597,7 @@
           <a:p>
             <a:fld id="{466C95E4-96CC-434F-90B0-5FA5B006DCCA}" type="datetimeFigureOut">
               <a:rPr lang="de-DE" smtClean="0"/>
-              <a:t>09.12.2016</a:t>
+              <a:t>11.12.2016</a:t>
             </a:fld>
             <a:endParaRPr lang="de-DE"/>
           </a:p>
@@ -761,7 +767,7 @@
           <a:p>
             <a:fld id="{466C95E4-96CC-434F-90B0-5FA5B006DCCA}" type="datetimeFigureOut">
               <a:rPr lang="de-DE" smtClean="0"/>
-              <a:t>09.12.2016</a:t>
+              <a:t>11.12.2016</a:t>
             </a:fld>
             <a:endParaRPr lang="de-DE"/>
           </a:p>
@@ -1007,7 +1013,7 @@
           <a:p>
             <a:fld id="{466C95E4-96CC-434F-90B0-5FA5B006DCCA}" type="datetimeFigureOut">
               <a:rPr lang="de-DE" smtClean="0"/>
-              <a:t>09.12.2016</a:t>
+              <a:t>11.12.2016</a:t>
             </a:fld>
             <a:endParaRPr lang="de-DE"/>
           </a:p>
@@ -1239,7 +1245,7 @@
           <a:p>
             <a:fld id="{466C95E4-96CC-434F-90B0-5FA5B006DCCA}" type="datetimeFigureOut">
               <a:rPr lang="de-DE" smtClean="0"/>
-              <a:t>09.12.2016</a:t>
+              <a:t>11.12.2016</a:t>
             </a:fld>
             <a:endParaRPr lang="de-DE"/>
           </a:p>
@@ -1606,7 +1612,7 @@
           <a:p>
             <a:fld id="{466C95E4-96CC-434F-90B0-5FA5B006DCCA}" type="datetimeFigureOut">
               <a:rPr lang="de-DE" smtClean="0"/>
-              <a:t>09.12.2016</a:t>
+              <a:t>11.12.2016</a:t>
             </a:fld>
             <a:endParaRPr lang="de-DE"/>
           </a:p>
@@ -1724,7 +1730,7 @@
           <a:p>
             <a:fld id="{466C95E4-96CC-434F-90B0-5FA5B006DCCA}" type="datetimeFigureOut">
               <a:rPr lang="de-DE" smtClean="0"/>
-              <a:t>09.12.2016</a:t>
+              <a:t>11.12.2016</a:t>
             </a:fld>
             <a:endParaRPr lang="de-DE"/>
           </a:p>
@@ -1819,7 +1825,7 @@
           <a:p>
             <a:fld id="{466C95E4-96CC-434F-90B0-5FA5B006DCCA}" type="datetimeFigureOut">
               <a:rPr lang="de-DE" smtClean="0"/>
-              <a:t>09.12.2016</a:t>
+              <a:t>11.12.2016</a:t>
             </a:fld>
             <a:endParaRPr lang="de-DE"/>
           </a:p>
@@ -2096,7 +2102,7 @@
           <a:p>
             <a:fld id="{466C95E4-96CC-434F-90B0-5FA5B006DCCA}" type="datetimeFigureOut">
               <a:rPr lang="de-DE" smtClean="0"/>
-              <a:t>09.12.2016</a:t>
+              <a:t>11.12.2016</a:t>
             </a:fld>
             <a:endParaRPr lang="de-DE"/>
           </a:p>
@@ -2349,7 +2355,7 @@
           <a:p>
             <a:fld id="{466C95E4-96CC-434F-90B0-5FA5B006DCCA}" type="datetimeFigureOut">
               <a:rPr lang="de-DE" smtClean="0"/>
-              <a:t>09.12.2016</a:t>
+              <a:t>11.12.2016</a:t>
             </a:fld>
             <a:endParaRPr lang="de-DE"/>
           </a:p>
@@ -2562,7 +2568,7 @@
           <a:p>
             <a:fld id="{466C95E4-96CC-434F-90B0-5FA5B006DCCA}" type="datetimeFigureOut">
               <a:rPr lang="de-DE" smtClean="0"/>
-              <a:t>09.12.2016</a:t>
+              <a:t>11.12.2016</a:t>
             </a:fld>
             <a:endParaRPr lang="de-DE"/>
           </a:p>
@@ -3014,6 +3020,77 @@
           <a:p>
             <a:r>
               <a:rPr lang="de-DE" dirty="0"/>
+              <a:t>Listen</a:t>
+            </a:r>
+          </a:p>
+        </p:txBody>
+      </p:sp>
+      <p:sp>
+        <p:nvSpPr>
+          <p:cNvPr id="3" name="Content Placeholder 2"/>
+          <p:cNvSpPr>
+            <a:spLocks noGrp="1"/>
+          </p:cNvSpPr>
+          <p:nvPr>
+            <p:ph idx="1"/>
+          </p:nvPr>
+        </p:nvSpPr>
+        <p:spPr/>
+        <p:txBody>
+          <a:bodyPr/>
+          <a:lstStyle/>
+          <a:p>
+            <a:endParaRPr lang="de-DE" dirty="0"/>
+          </a:p>
+        </p:txBody>
+      </p:sp>
+    </p:spTree>
+    <p:extLst>
+      <p:ext uri="{BB962C8B-B14F-4D97-AF65-F5344CB8AC3E}">
+        <p14:creationId xmlns:p14="http://schemas.microsoft.com/office/powerpoint/2010/main" val="1539360347"/>
+      </p:ext>
+    </p:extLst>
+  </p:cSld>
+  <p:clrMapOvr>
+    <a:masterClrMapping/>
+  </p:clrMapOvr>
+</p:sld>
+</file>
+
+<file path=ppt/slides/slide3.xml><?xml version="1.0" encoding="utf-8"?>
+<p:sld xmlns:a="http://schemas.openxmlformats.org/drawingml/2006/main" xmlns:r="http://schemas.openxmlformats.org/officeDocument/2006/relationships" xmlns:p="http://schemas.openxmlformats.org/presentationml/2006/main">
+  <p:cSld>
+    <p:spTree>
+      <p:nvGrpSpPr>
+        <p:cNvPr id="1" name=""/>
+        <p:cNvGrpSpPr/>
+        <p:nvPr/>
+      </p:nvGrpSpPr>
+      <p:grpSpPr>
+        <a:xfrm>
+          <a:off x="0" y="0"/>
+          <a:ext cx="0" cy="0"/>
+          <a:chOff x="0" y="0"/>
+          <a:chExt cx="0" cy="0"/>
+        </a:xfrm>
+      </p:grpSpPr>
+      <p:sp>
+        <p:nvSpPr>
+          <p:cNvPr id="2" name="Title 1"/>
+          <p:cNvSpPr>
+            <a:spLocks noGrp="1"/>
+          </p:cNvSpPr>
+          <p:nvPr>
+            <p:ph type="title"/>
+          </p:nvPr>
+        </p:nvSpPr>
+        <p:spPr/>
+        <p:txBody>
+          <a:bodyPr/>
+          <a:lstStyle/>
+          <a:p>
+            <a:r>
+              <a:rPr lang="de-DE" dirty="0"/>
               <a:t>LiveCoding</a:t>
             </a:r>
           </a:p>
@@ -3036,7 +3113,7 @@
           <a:p>
             <a:r>
               <a:rPr lang="de-DE" dirty="0"/>
-              <a:t>Aufgabe 8</a:t>
+              <a:t>Aufgabe 8.1</a:t>
             </a:r>
           </a:p>
           <a:p>
@@ -3060,7 +3137,7 @@
 </p:sld>
 </file>
 
-<file path=ppt/slides/slide3.xml><?xml version="1.0" encoding="utf-8"?>
+<file path=ppt/slides/slide4.xml><?xml version="1.0" encoding="utf-8"?>
 <p:sld xmlns:a="http://schemas.openxmlformats.org/drawingml/2006/main" xmlns:r="http://schemas.openxmlformats.org/officeDocument/2006/relationships" xmlns:p="http://schemas.openxmlformats.org/presentationml/2006/main">
   <p:cSld>
     <p:spTree>
@@ -3378,7 +3455,7 @@
 </p:sld>
 </file>
 
-<file path=ppt/slides/slide4.xml><?xml version="1.0" encoding="utf-8"?>
+<file path=ppt/slides/slide5.xml><?xml version="1.0" encoding="utf-8"?>
 <p:sld xmlns:a="http://schemas.openxmlformats.org/drawingml/2006/main" xmlns:r="http://schemas.openxmlformats.org/officeDocument/2006/relationships" xmlns:p="http://schemas.openxmlformats.org/presentationml/2006/main">
   <p:cSld>
     <p:spTree>
@@ -3433,10 +3510,9 @@
           <a:lstStyle/>
           <a:p>
             <a:r>
-              <a:rPr lang="de-DE"/>
+              <a:rPr lang="de-DE" dirty="0"/>
               <a:t>Konzept für neue Aufgabe</a:t>
             </a:r>
-            <a:endParaRPr lang="de-DE"/>
           </a:p>
         </p:txBody>
       </p:sp>

--- a/Tut_Files/Tut_12.12.pptx
+++ b/Tut_Files/Tut_12.12.pptx
@@ -4,12 +4,18 @@
   <p:sldMasterIdLst>
     <p:sldMasterId id="2147483648" r:id="rId1"/>
   </p:sldMasterIdLst>
+  <p:notesMasterIdLst>
+    <p:notesMasterId r:id="rId10"/>
+  </p:notesMasterIdLst>
   <p:sldIdLst>
     <p:sldId id="257" r:id="rId2"/>
-    <p:sldId id="261" r:id="rId3"/>
-    <p:sldId id="260" r:id="rId4"/>
-    <p:sldId id="258" r:id="rId5"/>
-    <p:sldId id="259" r:id="rId6"/>
+    <p:sldId id="262" r:id="rId3"/>
+    <p:sldId id="261" r:id="rId4"/>
+    <p:sldId id="263" r:id="rId5"/>
+    <p:sldId id="260" r:id="rId6"/>
+    <p:sldId id="264" r:id="rId7"/>
+    <p:sldId id="265" r:id="rId8"/>
+    <p:sldId id="266" r:id="rId9"/>
   </p:sldIdLst>
   <p:sldSz cx="12192000" cy="6858000"/>
   <p:notesSz cx="6858000" cy="9144000"/>
@@ -116,6 +122,792 @@
 </p:presentation>
 </file>
 
+<file path=ppt/notesMasters/notesMaster1.xml><?xml version="1.0" encoding="utf-8"?>
+<p:notesMaster xmlns:a="http://schemas.openxmlformats.org/drawingml/2006/main" xmlns:r="http://schemas.openxmlformats.org/officeDocument/2006/relationships" xmlns:p="http://schemas.openxmlformats.org/presentationml/2006/main">
+  <p:cSld>
+    <p:bg>
+      <p:bgRef idx="1001">
+        <a:schemeClr val="bg1"/>
+      </p:bgRef>
+    </p:bg>
+    <p:spTree>
+      <p:nvGrpSpPr>
+        <p:cNvPr id="1" name=""/>
+        <p:cNvGrpSpPr/>
+        <p:nvPr/>
+      </p:nvGrpSpPr>
+      <p:grpSpPr>
+        <a:xfrm>
+          <a:off x="0" y="0"/>
+          <a:ext cx="0" cy="0"/>
+          <a:chOff x="0" y="0"/>
+          <a:chExt cx="0" cy="0"/>
+        </a:xfrm>
+      </p:grpSpPr>
+      <p:sp>
+        <p:nvSpPr>
+          <p:cNvPr id="2" name="Header Placeholder 1"/>
+          <p:cNvSpPr>
+            <a:spLocks noGrp="1"/>
+          </p:cNvSpPr>
+          <p:nvPr>
+            <p:ph type="hdr" sz="quarter"/>
+          </p:nvPr>
+        </p:nvSpPr>
+        <p:spPr>
+          <a:xfrm>
+            <a:off x="0" y="0"/>
+            <a:ext cx="2971800" cy="458788"/>
+          </a:xfrm>
+          <a:prstGeom prst="rect">
+            <a:avLst/>
+          </a:prstGeom>
+        </p:spPr>
+        <p:txBody>
+          <a:bodyPr vert="horz" lIns="91440" tIns="45720" rIns="91440" bIns="45720" rtlCol="0"/>
+          <a:lstStyle>
+            <a:lvl1pPr algn="l">
+              <a:defRPr sz="1200"/>
+            </a:lvl1pPr>
+          </a:lstStyle>
+          <a:p>
+            <a:endParaRPr lang="de-DE"/>
+          </a:p>
+        </p:txBody>
+      </p:sp>
+      <p:sp>
+        <p:nvSpPr>
+          <p:cNvPr id="3" name="Date Placeholder 2"/>
+          <p:cNvSpPr>
+            <a:spLocks noGrp="1"/>
+          </p:cNvSpPr>
+          <p:nvPr>
+            <p:ph type="dt" idx="1"/>
+          </p:nvPr>
+        </p:nvSpPr>
+        <p:spPr>
+          <a:xfrm>
+            <a:off x="3884613" y="0"/>
+            <a:ext cx="2971800" cy="458788"/>
+          </a:xfrm>
+          <a:prstGeom prst="rect">
+            <a:avLst/>
+          </a:prstGeom>
+        </p:spPr>
+        <p:txBody>
+          <a:bodyPr vert="horz" lIns="91440" tIns="45720" rIns="91440" bIns="45720" rtlCol="0"/>
+          <a:lstStyle>
+            <a:lvl1pPr algn="r">
+              <a:defRPr sz="1200"/>
+            </a:lvl1pPr>
+          </a:lstStyle>
+          <a:p>
+            <a:fld id="{6BDF30D8-52EA-4E23-9AB0-90CB39E16E3A}" type="datetimeFigureOut">
+              <a:rPr lang="de-DE" smtClean="0"/>
+              <a:t>12.12.2016</a:t>
+            </a:fld>
+            <a:endParaRPr lang="de-DE"/>
+          </a:p>
+        </p:txBody>
+      </p:sp>
+      <p:sp>
+        <p:nvSpPr>
+          <p:cNvPr id="4" name="Slide Image Placeholder 3"/>
+          <p:cNvSpPr>
+            <a:spLocks noGrp="1" noRot="1" noChangeAspect="1"/>
+          </p:cNvSpPr>
+          <p:nvPr>
+            <p:ph type="sldImg" idx="2"/>
+          </p:nvPr>
+        </p:nvSpPr>
+        <p:spPr>
+          <a:xfrm>
+            <a:off x="685800" y="1143000"/>
+            <a:ext cx="5486400" cy="3086100"/>
+          </a:xfrm>
+          <a:prstGeom prst="rect">
+            <a:avLst/>
+          </a:prstGeom>
+          <a:noFill/>
+          <a:ln w="12700">
+            <a:solidFill>
+              <a:prstClr val="black"/>
+            </a:solidFill>
+          </a:ln>
+        </p:spPr>
+        <p:txBody>
+          <a:bodyPr vert="horz" lIns="91440" tIns="45720" rIns="91440" bIns="45720" rtlCol="0" anchor="ctr"/>
+          <a:lstStyle/>
+          <a:p>
+            <a:endParaRPr lang="de-DE"/>
+          </a:p>
+        </p:txBody>
+      </p:sp>
+      <p:sp>
+        <p:nvSpPr>
+          <p:cNvPr id="5" name="Notes Placeholder 4"/>
+          <p:cNvSpPr>
+            <a:spLocks noGrp="1"/>
+          </p:cNvSpPr>
+          <p:nvPr>
+            <p:ph type="body" sz="quarter" idx="3"/>
+          </p:nvPr>
+        </p:nvSpPr>
+        <p:spPr>
+          <a:xfrm>
+            <a:off x="685800" y="4400550"/>
+            <a:ext cx="5486400" cy="3600450"/>
+          </a:xfrm>
+          <a:prstGeom prst="rect">
+            <a:avLst/>
+          </a:prstGeom>
+        </p:spPr>
+        <p:txBody>
+          <a:bodyPr vert="horz" lIns="91440" tIns="45720" rIns="91440" bIns="45720" rtlCol="0"/>
+          <a:lstStyle/>
+          <a:p>
+            <a:pPr lvl="0"/>
+            <a:r>
+              <a:rPr lang="en-US"/>
+              <a:t>Edit Master text styles</a:t>
+            </a:r>
+          </a:p>
+          <a:p>
+            <a:pPr lvl="1"/>
+            <a:r>
+              <a:rPr lang="en-US"/>
+              <a:t>Second level</a:t>
+            </a:r>
+          </a:p>
+          <a:p>
+            <a:pPr lvl="2"/>
+            <a:r>
+              <a:rPr lang="en-US"/>
+              <a:t>Third level</a:t>
+            </a:r>
+          </a:p>
+          <a:p>
+            <a:pPr lvl="3"/>
+            <a:r>
+              <a:rPr lang="en-US"/>
+              <a:t>Fourth level</a:t>
+            </a:r>
+          </a:p>
+          <a:p>
+            <a:pPr lvl="4"/>
+            <a:r>
+              <a:rPr lang="en-US"/>
+              <a:t>Fifth level</a:t>
+            </a:r>
+            <a:endParaRPr lang="de-DE"/>
+          </a:p>
+        </p:txBody>
+      </p:sp>
+      <p:sp>
+        <p:nvSpPr>
+          <p:cNvPr id="6" name="Footer Placeholder 5"/>
+          <p:cNvSpPr>
+            <a:spLocks noGrp="1"/>
+          </p:cNvSpPr>
+          <p:nvPr>
+            <p:ph type="ftr" sz="quarter" idx="4"/>
+          </p:nvPr>
+        </p:nvSpPr>
+        <p:spPr>
+          <a:xfrm>
+            <a:off x="0" y="8685213"/>
+            <a:ext cx="2971800" cy="458787"/>
+          </a:xfrm>
+          <a:prstGeom prst="rect">
+            <a:avLst/>
+          </a:prstGeom>
+        </p:spPr>
+        <p:txBody>
+          <a:bodyPr vert="horz" lIns="91440" tIns="45720" rIns="91440" bIns="45720" rtlCol="0" anchor="b"/>
+          <a:lstStyle>
+            <a:lvl1pPr algn="l">
+              <a:defRPr sz="1200"/>
+            </a:lvl1pPr>
+          </a:lstStyle>
+          <a:p>
+            <a:endParaRPr lang="de-DE"/>
+          </a:p>
+        </p:txBody>
+      </p:sp>
+      <p:sp>
+        <p:nvSpPr>
+          <p:cNvPr id="7" name="Slide Number Placeholder 6"/>
+          <p:cNvSpPr>
+            <a:spLocks noGrp="1"/>
+          </p:cNvSpPr>
+          <p:nvPr>
+            <p:ph type="sldNum" sz="quarter" idx="5"/>
+          </p:nvPr>
+        </p:nvSpPr>
+        <p:spPr>
+          <a:xfrm>
+            <a:off x="3884613" y="8685213"/>
+            <a:ext cx="2971800" cy="458787"/>
+          </a:xfrm>
+          <a:prstGeom prst="rect">
+            <a:avLst/>
+          </a:prstGeom>
+        </p:spPr>
+        <p:txBody>
+          <a:bodyPr vert="horz" lIns="91440" tIns="45720" rIns="91440" bIns="45720" rtlCol="0" anchor="b"/>
+          <a:lstStyle>
+            <a:lvl1pPr algn="r">
+              <a:defRPr sz="1200"/>
+            </a:lvl1pPr>
+          </a:lstStyle>
+          <a:p>
+            <a:fld id="{7DB3DC60-30F5-4065-B773-D4F3631C6CB4}" type="slidenum">
+              <a:rPr lang="de-DE" smtClean="0"/>
+              <a:t>‹#›</a:t>
+            </a:fld>
+            <a:endParaRPr lang="de-DE"/>
+          </a:p>
+        </p:txBody>
+      </p:sp>
+    </p:spTree>
+    <p:extLst>
+      <p:ext uri="{BB962C8B-B14F-4D97-AF65-F5344CB8AC3E}">
+        <p14:creationId xmlns:p14="http://schemas.microsoft.com/office/powerpoint/2010/main" val="938092486"/>
+      </p:ext>
+    </p:extLst>
+  </p:cSld>
+  <p:clrMap bg1="lt1" tx1="dk1" bg2="lt2" tx2="dk2" accent1="accent1" accent2="accent2" accent3="accent3" accent4="accent4" accent5="accent5" accent6="accent6" hlink="hlink" folHlink="folHlink"/>
+  <p:notesStyle>
+    <a:lvl1pPr marL="0" algn="l" defTabSz="914400" rtl="0" eaLnBrk="1" latinLnBrk="0" hangingPunct="1">
+      <a:defRPr sz="1200" kern="1200">
+        <a:solidFill>
+          <a:schemeClr val="tx1"/>
+        </a:solidFill>
+        <a:latin typeface="+mn-lt"/>
+        <a:ea typeface="+mn-ea"/>
+        <a:cs typeface="+mn-cs"/>
+      </a:defRPr>
+    </a:lvl1pPr>
+    <a:lvl2pPr marL="457200" algn="l" defTabSz="914400" rtl="0" eaLnBrk="1" latinLnBrk="0" hangingPunct="1">
+      <a:defRPr sz="1200" kern="1200">
+        <a:solidFill>
+          <a:schemeClr val="tx1"/>
+        </a:solidFill>
+        <a:latin typeface="+mn-lt"/>
+        <a:ea typeface="+mn-ea"/>
+        <a:cs typeface="+mn-cs"/>
+      </a:defRPr>
+    </a:lvl2pPr>
+    <a:lvl3pPr marL="914400" algn="l" defTabSz="914400" rtl="0" eaLnBrk="1" latinLnBrk="0" hangingPunct="1">
+      <a:defRPr sz="1200" kern="1200">
+        <a:solidFill>
+          <a:schemeClr val="tx1"/>
+        </a:solidFill>
+        <a:latin typeface="+mn-lt"/>
+        <a:ea typeface="+mn-ea"/>
+        <a:cs typeface="+mn-cs"/>
+      </a:defRPr>
+    </a:lvl3pPr>
+    <a:lvl4pPr marL="1371600" algn="l" defTabSz="914400" rtl="0" eaLnBrk="1" latinLnBrk="0" hangingPunct="1">
+      <a:defRPr sz="1200" kern="1200">
+        <a:solidFill>
+          <a:schemeClr val="tx1"/>
+        </a:solidFill>
+        <a:latin typeface="+mn-lt"/>
+        <a:ea typeface="+mn-ea"/>
+        <a:cs typeface="+mn-cs"/>
+      </a:defRPr>
+    </a:lvl4pPr>
+    <a:lvl5pPr marL="1828800" algn="l" defTabSz="914400" rtl="0" eaLnBrk="1" latinLnBrk="0" hangingPunct="1">
+      <a:defRPr sz="1200" kern="1200">
+        <a:solidFill>
+          <a:schemeClr val="tx1"/>
+        </a:solidFill>
+        <a:latin typeface="+mn-lt"/>
+        <a:ea typeface="+mn-ea"/>
+        <a:cs typeface="+mn-cs"/>
+      </a:defRPr>
+    </a:lvl5pPr>
+    <a:lvl6pPr marL="2286000" algn="l" defTabSz="914400" rtl="0" eaLnBrk="1" latinLnBrk="0" hangingPunct="1">
+      <a:defRPr sz="1200" kern="1200">
+        <a:solidFill>
+          <a:schemeClr val="tx1"/>
+        </a:solidFill>
+        <a:latin typeface="+mn-lt"/>
+        <a:ea typeface="+mn-ea"/>
+        <a:cs typeface="+mn-cs"/>
+      </a:defRPr>
+    </a:lvl6pPr>
+    <a:lvl7pPr marL="2743200" algn="l" defTabSz="914400" rtl="0" eaLnBrk="1" latinLnBrk="0" hangingPunct="1">
+      <a:defRPr sz="1200" kern="1200">
+        <a:solidFill>
+          <a:schemeClr val="tx1"/>
+        </a:solidFill>
+        <a:latin typeface="+mn-lt"/>
+        <a:ea typeface="+mn-ea"/>
+        <a:cs typeface="+mn-cs"/>
+      </a:defRPr>
+    </a:lvl7pPr>
+    <a:lvl8pPr marL="3200400" algn="l" defTabSz="914400" rtl="0" eaLnBrk="1" latinLnBrk="0" hangingPunct="1">
+      <a:defRPr sz="1200" kern="1200">
+        <a:solidFill>
+          <a:schemeClr val="tx1"/>
+        </a:solidFill>
+        <a:latin typeface="+mn-lt"/>
+        <a:ea typeface="+mn-ea"/>
+        <a:cs typeface="+mn-cs"/>
+      </a:defRPr>
+    </a:lvl8pPr>
+    <a:lvl9pPr marL="3657600" algn="l" defTabSz="914400" rtl="0" eaLnBrk="1" latinLnBrk="0" hangingPunct="1">
+      <a:defRPr sz="1200" kern="1200">
+        <a:solidFill>
+          <a:schemeClr val="tx1"/>
+        </a:solidFill>
+        <a:latin typeface="+mn-lt"/>
+        <a:ea typeface="+mn-ea"/>
+        <a:cs typeface="+mn-cs"/>
+      </a:defRPr>
+    </a:lvl9pPr>
+  </p:notesStyle>
+</p:notesMaster>
+</file>
+
+<file path=ppt/notesSlides/notesSlide1.xml><?xml version="1.0" encoding="utf-8"?>
+<p:notes xmlns:a="http://schemas.openxmlformats.org/drawingml/2006/main" xmlns:r="http://schemas.openxmlformats.org/officeDocument/2006/relationships" xmlns:p="http://schemas.openxmlformats.org/presentationml/2006/main">
+  <p:cSld>
+    <p:spTree>
+      <p:nvGrpSpPr>
+        <p:cNvPr id="1" name=""/>
+        <p:cNvGrpSpPr/>
+        <p:nvPr/>
+      </p:nvGrpSpPr>
+      <p:grpSpPr>
+        <a:xfrm>
+          <a:off x="0" y="0"/>
+          <a:ext cx="0" cy="0"/>
+          <a:chOff x="0" y="0"/>
+          <a:chExt cx="0" cy="0"/>
+        </a:xfrm>
+      </p:grpSpPr>
+      <p:sp>
+        <p:nvSpPr>
+          <p:cNvPr id="2" name="Slide Image Placeholder 1"/>
+          <p:cNvSpPr>
+            <a:spLocks noGrp="1" noRot="1" noChangeAspect="1"/>
+          </p:cNvSpPr>
+          <p:nvPr>
+            <p:ph type="sldImg"/>
+          </p:nvPr>
+        </p:nvSpPr>
+        <p:spPr/>
+      </p:sp>
+      <p:sp>
+        <p:nvSpPr>
+          <p:cNvPr id="3" name="Notes Placeholder 2"/>
+          <p:cNvSpPr>
+            <a:spLocks noGrp="1"/>
+          </p:cNvSpPr>
+          <p:nvPr>
+            <p:ph type="body" idx="1"/>
+          </p:nvPr>
+        </p:nvSpPr>
+        <p:spPr/>
+        <p:txBody>
+          <a:bodyPr/>
+          <a:lstStyle/>
+          <a:p>
+            <a:r>
+              <a:rPr lang="de-DE" sz="1200" b="0" i="0" kern="1200" dirty="0">
+                <a:solidFill>
+                  <a:schemeClr val="tx1"/>
+                </a:solidFill>
+                <a:effectLst/>
+                <a:latin typeface="+mn-lt"/>
+                <a:ea typeface="+mn-ea"/>
+                <a:cs typeface="+mn-cs"/>
+              </a:rPr>
+              <a:t>Man wird versuchen, sie in eine sinnvolle Vererbungshierarchie zu bringen und hat dann recht bald ein halbes Dutzend</a:t>
+            </a:r>
+          </a:p>
+          <a:p>
+            <a:r>
+              <a:rPr lang="de-DE" sz="1200" b="0" i="0" kern="1200" dirty="0">
+                <a:solidFill>
+                  <a:schemeClr val="tx1"/>
+                </a:solidFill>
+                <a:effectLst/>
+                <a:latin typeface="+mn-lt"/>
+                <a:ea typeface="+mn-ea"/>
+                <a:cs typeface="+mn-cs"/>
+              </a:rPr>
+              <a:t>oder auch mehr Klassen zusammengestellt. Man wird Methoden in verschiedenen Klassen, </a:t>
+            </a:r>
+          </a:p>
+          <a:p>
+            <a:r>
+              <a:rPr lang="de-DE" sz="1200" b="0" i="0" kern="1200" dirty="0">
+                <a:solidFill>
+                  <a:schemeClr val="tx1"/>
+                </a:solidFill>
+                <a:effectLst/>
+                <a:latin typeface="+mn-lt"/>
+                <a:ea typeface="+mn-ea"/>
+                <a:cs typeface="+mn-cs"/>
+              </a:rPr>
+              <a:t>die sinngemäß ähnliche</a:t>
+            </a:r>
+            <a:r>
+              <a:rPr lang="de-DE" sz="1200" b="0" i="0" kern="1200" baseline="0" dirty="0">
+                <a:solidFill>
+                  <a:schemeClr val="tx1"/>
+                </a:solidFill>
+                <a:effectLst/>
+                <a:latin typeface="+mn-lt"/>
+                <a:ea typeface="+mn-ea"/>
+                <a:cs typeface="+mn-cs"/>
+              </a:rPr>
+              <a:t> </a:t>
+            </a:r>
+            <a:r>
+              <a:rPr lang="de-DE" sz="1200" b="0" i="0" kern="1200" dirty="0">
+                <a:solidFill>
+                  <a:schemeClr val="tx1"/>
+                </a:solidFill>
+                <a:effectLst/>
+                <a:latin typeface="+mn-lt"/>
+                <a:ea typeface="+mn-ea"/>
+                <a:cs typeface="+mn-cs"/>
+              </a:rPr>
+              <a:t>Aufgaben haben, mit dem gleichen Namen versehen und dann mehr oder weniger </a:t>
+            </a:r>
+          </a:p>
+          <a:p>
+            <a:r>
+              <a:rPr lang="de-DE" sz="1200" b="0" i="0" kern="1200" dirty="0">
+                <a:solidFill>
+                  <a:schemeClr val="tx1"/>
+                </a:solidFill>
+                <a:effectLst/>
+                <a:latin typeface="+mn-lt"/>
+                <a:ea typeface="+mn-ea"/>
+                <a:cs typeface="+mn-cs"/>
+              </a:rPr>
+              <a:t>automatisch zu der Idee gelangen, diese Methoden weit oben in der Hierarchie anzulegen. </a:t>
+            </a:r>
+          </a:p>
+          <a:p>
+            <a:endParaRPr lang="de-DE" sz="1200" b="0" i="0" kern="1200" dirty="0">
+              <a:solidFill>
+                <a:schemeClr val="tx1"/>
+              </a:solidFill>
+              <a:effectLst/>
+              <a:latin typeface="+mn-lt"/>
+              <a:ea typeface="+mn-ea"/>
+              <a:cs typeface="+mn-cs"/>
+            </a:endParaRPr>
+          </a:p>
+          <a:p>
+            <a:r>
+              <a:rPr lang="de-DE" sz="1200" b="0" i="0" kern="1200" dirty="0">
+                <a:solidFill>
+                  <a:schemeClr val="tx1"/>
+                </a:solidFill>
+                <a:effectLst/>
+                <a:latin typeface="+mn-lt"/>
+                <a:ea typeface="+mn-ea"/>
+                <a:cs typeface="+mn-cs"/>
+              </a:rPr>
+              <a:t>Die tieferliegenden Klassen werden sie dann erben und bei Bedarf überschreiben, d.h. ihren Bedürfnissen entsprechend anpassen</a:t>
+            </a:r>
+          </a:p>
+          <a:p>
+            <a:endParaRPr lang="de-DE" sz="1200" b="0" i="0" kern="1200" dirty="0">
+              <a:solidFill>
+                <a:schemeClr val="tx1"/>
+              </a:solidFill>
+              <a:effectLst/>
+              <a:latin typeface="+mn-lt"/>
+              <a:ea typeface="+mn-ea"/>
+              <a:cs typeface="+mn-cs"/>
+            </a:endParaRPr>
+          </a:p>
+          <a:p>
+            <a:r>
+              <a:rPr lang="de-DE" sz="1200" b="0" i="0" kern="1200" dirty="0">
+                <a:solidFill>
+                  <a:schemeClr val="tx1"/>
+                </a:solidFill>
+                <a:effectLst/>
+                <a:latin typeface="+mn-lt"/>
+                <a:ea typeface="+mn-ea"/>
+                <a:cs typeface="+mn-cs"/>
+              </a:rPr>
+              <a:t>So kommt man zu der Idee, eine Klasse zu schaffen, die sozusagen für das Design der ganzen Hierarchie zuständig ist. </a:t>
+            </a:r>
+          </a:p>
+          <a:p>
+            <a:endParaRPr lang="de-DE" sz="1200" b="0" i="0" kern="1200" dirty="0">
+              <a:solidFill>
+                <a:schemeClr val="tx1"/>
+              </a:solidFill>
+              <a:effectLst/>
+              <a:latin typeface="+mn-lt"/>
+              <a:ea typeface="+mn-ea"/>
+              <a:cs typeface="+mn-cs"/>
+            </a:endParaRPr>
+          </a:p>
+          <a:p>
+            <a:r>
+              <a:rPr lang="de-DE" sz="1200" b="0" i="0" kern="1200" dirty="0">
+                <a:solidFill>
+                  <a:schemeClr val="tx1"/>
+                </a:solidFill>
+                <a:effectLst/>
+                <a:latin typeface="+mn-lt"/>
+                <a:ea typeface="+mn-ea"/>
+                <a:cs typeface="+mn-cs"/>
+              </a:rPr>
+              <a:t>Von einer solchen Klasse braucht man nicht unbedingt Objekte, sie ist "nur" dafür da, eine Klassenhierarchie konsistent zu gestalten. </a:t>
+            </a:r>
+          </a:p>
+          <a:p>
+            <a:endParaRPr lang="de-DE" sz="1200" b="0" i="0" kern="1200" dirty="0">
+              <a:solidFill>
+                <a:schemeClr val="tx1"/>
+              </a:solidFill>
+              <a:effectLst/>
+              <a:latin typeface="+mn-lt"/>
+              <a:ea typeface="+mn-ea"/>
+              <a:cs typeface="+mn-cs"/>
+            </a:endParaRPr>
+          </a:p>
+          <a:p>
+            <a:r>
+              <a:rPr lang="de-DE" sz="1200" b="0" i="0" kern="1200" dirty="0">
+                <a:solidFill>
+                  <a:schemeClr val="tx1"/>
+                </a:solidFill>
+                <a:effectLst/>
+                <a:latin typeface="+mn-lt"/>
+                <a:ea typeface="+mn-ea"/>
+                <a:cs typeface="+mn-cs"/>
+              </a:rPr>
+              <a:t>Aus diesem Grund hat man den Begriff der abstrakten Klasse eingeführt. Meistens liegen abstrakte Klassen sehr weit oben in der Hierarchie. </a:t>
+            </a:r>
+            <a:endParaRPr lang="de-DE" dirty="0"/>
+          </a:p>
+          <a:p>
+            <a:endParaRPr lang="de-DE" dirty="0"/>
+          </a:p>
+        </p:txBody>
+      </p:sp>
+      <p:sp>
+        <p:nvSpPr>
+          <p:cNvPr id="4" name="Slide Number Placeholder 3"/>
+          <p:cNvSpPr>
+            <a:spLocks noGrp="1"/>
+          </p:cNvSpPr>
+          <p:nvPr>
+            <p:ph type="sldNum" sz="quarter" idx="10"/>
+          </p:nvPr>
+        </p:nvSpPr>
+        <p:spPr/>
+        <p:txBody>
+          <a:bodyPr/>
+          <a:lstStyle/>
+          <a:p>
+            <a:fld id="{7DB3DC60-30F5-4065-B773-D4F3631C6CB4}" type="slidenum">
+              <a:rPr lang="de-DE" smtClean="0"/>
+              <a:t>7</a:t>
+            </a:fld>
+            <a:endParaRPr lang="de-DE"/>
+          </a:p>
+        </p:txBody>
+      </p:sp>
+    </p:spTree>
+    <p:extLst>
+      <p:ext uri="{BB962C8B-B14F-4D97-AF65-F5344CB8AC3E}">
+        <p14:creationId xmlns:p14="http://schemas.microsoft.com/office/powerpoint/2010/main" val="48209616"/>
+      </p:ext>
+    </p:extLst>
+  </p:cSld>
+  <p:clrMapOvr>
+    <a:masterClrMapping/>
+  </p:clrMapOvr>
+</p:notes>
+</file>
+
+<file path=ppt/notesSlides/notesSlide2.xml><?xml version="1.0" encoding="utf-8"?>
+<p:notes xmlns:a="http://schemas.openxmlformats.org/drawingml/2006/main" xmlns:r="http://schemas.openxmlformats.org/officeDocument/2006/relationships" xmlns:p="http://schemas.openxmlformats.org/presentationml/2006/main">
+  <p:cSld>
+    <p:spTree>
+      <p:nvGrpSpPr>
+        <p:cNvPr id="1" name=""/>
+        <p:cNvGrpSpPr/>
+        <p:nvPr/>
+      </p:nvGrpSpPr>
+      <p:grpSpPr>
+        <a:xfrm>
+          <a:off x="0" y="0"/>
+          <a:ext cx="0" cy="0"/>
+          <a:chOff x="0" y="0"/>
+          <a:chExt cx="0" cy="0"/>
+        </a:xfrm>
+      </p:grpSpPr>
+      <p:sp>
+        <p:nvSpPr>
+          <p:cNvPr id="2" name="Slide Image Placeholder 1"/>
+          <p:cNvSpPr>
+            <a:spLocks noGrp="1" noRot="1" noChangeAspect="1"/>
+          </p:cNvSpPr>
+          <p:nvPr>
+            <p:ph type="sldImg"/>
+          </p:nvPr>
+        </p:nvSpPr>
+        <p:spPr/>
+      </p:sp>
+      <p:sp>
+        <p:nvSpPr>
+          <p:cNvPr id="3" name="Notes Placeholder 2"/>
+          <p:cNvSpPr>
+            <a:spLocks noGrp="1"/>
+          </p:cNvSpPr>
+          <p:nvPr>
+            <p:ph type="body" idx="1"/>
+          </p:nvPr>
+        </p:nvSpPr>
+        <p:spPr/>
+        <p:txBody>
+          <a:bodyPr/>
+          <a:lstStyle/>
+          <a:p>
+            <a:r>
+              <a:rPr lang="de-DE" sz="1200" b="0" i="0" kern="1200" dirty="0">
+                <a:solidFill>
+                  <a:schemeClr val="tx1"/>
+                </a:solidFill>
+                <a:effectLst/>
+                <a:latin typeface="+mn-lt"/>
+                <a:ea typeface="+mn-ea"/>
+                <a:cs typeface="+mn-cs"/>
+              </a:rPr>
+              <a:t>Etwas häufiger ist der Fall, daß man eine Klasse abstrakt machen muß.</a:t>
+            </a:r>
+          </a:p>
+          <a:p>
+            <a:endParaRPr lang="de-DE" sz="1200" b="0" i="0" kern="1200" dirty="0">
+              <a:solidFill>
+                <a:schemeClr val="tx1"/>
+              </a:solidFill>
+              <a:effectLst/>
+              <a:latin typeface="+mn-lt"/>
+              <a:ea typeface="+mn-ea"/>
+              <a:cs typeface="+mn-cs"/>
+            </a:endParaRPr>
+          </a:p>
+          <a:p>
+            <a:r>
+              <a:rPr lang="de-DE" sz="1200" b="0" i="0" kern="1200" dirty="0">
+                <a:solidFill>
+                  <a:schemeClr val="tx1"/>
+                </a:solidFill>
+                <a:effectLst/>
+                <a:latin typeface="+mn-lt"/>
+                <a:ea typeface="+mn-ea"/>
+                <a:cs typeface="+mn-cs"/>
+              </a:rPr>
+              <a:t> Neben dem Begriff abstrakte Klasse gibt es nämlich auch noch dem Begriff der abstrakten Methode. </a:t>
+            </a:r>
+          </a:p>
+          <a:p>
+            <a:endParaRPr lang="de-DE" sz="1200" b="0" i="0" kern="1200" dirty="0">
+              <a:solidFill>
+                <a:schemeClr val="tx1"/>
+              </a:solidFill>
+              <a:effectLst/>
+              <a:latin typeface="+mn-lt"/>
+              <a:ea typeface="+mn-ea"/>
+              <a:cs typeface="+mn-cs"/>
+            </a:endParaRPr>
+          </a:p>
+          <a:p>
+            <a:r>
+              <a:rPr lang="de-DE" sz="1200" b="0" i="0" kern="1200" dirty="0">
+                <a:solidFill>
+                  <a:schemeClr val="tx1"/>
+                </a:solidFill>
+                <a:effectLst/>
+                <a:latin typeface="+mn-lt"/>
+                <a:ea typeface="+mn-ea"/>
+                <a:cs typeface="+mn-cs"/>
+              </a:rPr>
+              <a:t>Eine abstrakte Methode ist eine Methode ohne Rumpf, also ohne Implementierung. </a:t>
+            </a:r>
+          </a:p>
+          <a:p>
+            <a:endParaRPr lang="de-DE" sz="1200" b="0" i="0" kern="1200" dirty="0">
+              <a:solidFill>
+                <a:schemeClr val="tx1"/>
+              </a:solidFill>
+              <a:effectLst/>
+              <a:latin typeface="+mn-lt"/>
+              <a:ea typeface="+mn-ea"/>
+              <a:cs typeface="+mn-cs"/>
+            </a:endParaRPr>
+          </a:p>
+          <a:p>
+            <a:r>
+              <a:rPr lang="de-DE" sz="1200" b="0" i="0" kern="1200" dirty="0">
+                <a:solidFill>
+                  <a:schemeClr val="tx1"/>
+                </a:solidFill>
+                <a:effectLst/>
+                <a:latin typeface="+mn-lt"/>
+                <a:ea typeface="+mn-ea"/>
+                <a:cs typeface="+mn-cs"/>
+              </a:rPr>
+              <a:t>Das folgende Beispiel enthält eine abstrakte und eine nicht abstrakte Methode.</a:t>
+            </a:r>
+            <a:endParaRPr lang="de-DE" dirty="0"/>
+          </a:p>
+        </p:txBody>
+      </p:sp>
+      <p:sp>
+        <p:nvSpPr>
+          <p:cNvPr id="4" name="Slide Number Placeholder 3"/>
+          <p:cNvSpPr>
+            <a:spLocks noGrp="1"/>
+          </p:cNvSpPr>
+          <p:nvPr>
+            <p:ph type="sldNum" sz="quarter" idx="10"/>
+          </p:nvPr>
+        </p:nvSpPr>
+        <p:spPr/>
+        <p:txBody>
+          <a:bodyPr/>
+          <a:lstStyle/>
+          <a:p>
+            <a:fld id="{7DB3DC60-30F5-4065-B773-D4F3631C6CB4}" type="slidenum">
+              <a:rPr lang="de-DE" smtClean="0"/>
+              <a:t>8</a:t>
+            </a:fld>
+            <a:endParaRPr lang="de-DE"/>
+          </a:p>
+        </p:txBody>
+      </p:sp>
+    </p:spTree>
+    <p:extLst>
+      <p:ext uri="{BB962C8B-B14F-4D97-AF65-F5344CB8AC3E}">
+        <p14:creationId xmlns:p14="http://schemas.microsoft.com/office/powerpoint/2010/main" val="277423610"/>
+      </p:ext>
+    </p:extLst>
+  </p:cSld>
+  <p:clrMapOvr>
+    <a:masterClrMapping/>
+  </p:clrMapOvr>
+</p:notes>
+</file>
+
 <file path=ppt/slideLayouts/slideLayout1.xml><?xml version="1.0" encoding="utf-8"?>
 <p:sldLayout xmlns:a="http://schemas.openxmlformats.org/drawingml/2006/main" xmlns:r="http://schemas.openxmlformats.org/officeDocument/2006/relationships" xmlns:p="http://schemas.openxmlformats.org/presentationml/2006/main" type="title" preserve="1">
   <p:cSld name="Title Slide">
@@ -247,7 +1039,7 @@
           <a:p>
             <a:fld id="{466C95E4-96CC-434F-90B0-5FA5B006DCCA}" type="datetimeFigureOut">
               <a:rPr lang="de-DE" smtClean="0"/>
-              <a:t>11.12.2016</a:t>
+              <a:t>12.12.2016</a:t>
             </a:fld>
             <a:endParaRPr lang="de-DE"/>
           </a:p>
@@ -417,7 +1209,7 @@
           <a:p>
             <a:fld id="{466C95E4-96CC-434F-90B0-5FA5B006DCCA}" type="datetimeFigureOut">
               <a:rPr lang="de-DE" smtClean="0"/>
-              <a:t>11.12.2016</a:t>
+              <a:t>12.12.2016</a:t>
             </a:fld>
             <a:endParaRPr lang="de-DE"/>
           </a:p>
@@ -597,7 +1389,7 @@
           <a:p>
             <a:fld id="{466C95E4-96CC-434F-90B0-5FA5B006DCCA}" type="datetimeFigureOut">
               <a:rPr lang="de-DE" smtClean="0"/>
-              <a:t>11.12.2016</a:t>
+              <a:t>12.12.2016</a:t>
             </a:fld>
             <a:endParaRPr lang="de-DE"/>
           </a:p>
@@ -767,7 +1559,7 @@
           <a:p>
             <a:fld id="{466C95E4-96CC-434F-90B0-5FA5B006DCCA}" type="datetimeFigureOut">
               <a:rPr lang="de-DE" smtClean="0"/>
-              <a:t>11.12.2016</a:t>
+              <a:t>12.12.2016</a:t>
             </a:fld>
             <a:endParaRPr lang="de-DE"/>
           </a:p>
@@ -1013,7 +1805,7 @@
           <a:p>
             <a:fld id="{466C95E4-96CC-434F-90B0-5FA5B006DCCA}" type="datetimeFigureOut">
               <a:rPr lang="de-DE" smtClean="0"/>
-              <a:t>11.12.2016</a:t>
+              <a:t>12.12.2016</a:t>
             </a:fld>
             <a:endParaRPr lang="de-DE"/>
           </a:p>
@@ -1245,7 +2037,7 @@
           <a:p>
             <a:fld id="{466C95E4-96CC-434F-90B0-5FA5B006DCCA}" type="datetimeFigureOut">
               <a:rPr lang="de-DE" smtClean="0"/>
-              <a:t>11.12.2016</a:t>
+              <a:t>12.12.2016</a:t>
             </a:fld>
             <a:endParaRPr lang="de-DE"/>
           </a:p>
@@ -1612,7 +2404,7 @@
           <a:p>
             <a:fld id="{466C95E4-96CC-434F-90B0-5FA5B006DCCA}" type="datetimeFigureOut">
               <a:rPr lang="de-DE" smtClean="0"/>
-              <a:t>11.12.2016</a:t>
+              <a:t>12.12.2016</a:t>
             </a:fld>
             <a:endParaRPr lang="de-DE"/>
           </a:p>
@@ -1730,7 +2522,7 @@
           <a:p>
             <a:fld id="{466C95E4-96CC-434F-90B0-5FA5B006DCCA}" type="datetimeFigureOut">
               <a:rPr lang="de-DE" smtClean="0"/>
-              <a:t>11.12.2016</a:t>
+              <a:t>12.12.2016</a:t>
             </a:fld>
             <a:endParaRPr lang="de-DE"/>
           </a:p>
@@ -1825,7 +2617,7 @@
           <a:p>
             <a:fld id="{466C95E4-96CC-434F-90B0-5FA5B006DCCA}" type="datetimeFigureOut">
               <a:rPr lang="de-DE" smtClean="0"/>
-              <a:t>11.12.2016</a:t>
+              <a:t>12.12.2016</a:t>
             </a:fld>
             <a:endParaRPr lang="de-DE"/>
           </a:p>
@@ -2102,7 +2894,7 @@
           <a:p>
             <a:fld id="{466C95E4-96CC-434F-90B0-5FA5B006DCCA}" type="datetimeFigureOut">
               <a:rPr lang="de-DE" smtClean="0"/>
-              <a:t>11.12.2016</a:t>
+              <a:t>12.12.2016</a:t>
             </a:fld>
             <a:endParaRPr lang="de-DE"/>
           </a:p>
@@ -2355,7 +3147,7 @@
           <a:p>
             <a:fld id="{466C95E4-96CC-434F-90B0-5FA5B006DCCA}" type="datetimeFigureOut">
               <a:rPr lang="de-DE" smtClean="0"/>
-              <a:t>11.12.2016</a:t>
+              <a:t>12.12.2016</a:t>
             </a:fld>
             <a:endParaRPr lang="de-DE"/>
           </a:p>
@@ -2568,7 +3360,7 @@
           <a:p>
             <a:fld id="{466C95E4-96CC-434F-90B0-5FA5B006DCCA}" type="datetimeFigureOut">
               <a:rPr lang="de-DE" smtClean="0"/>
-              <a:t>11.12.2016</a:t>
+              <a:t>12.12.2016</a:t>
             </a:fld>
             <a:endParaRPr lang="de-DE"/>
           </a:p>
@@ -3020,7 +3812,7 @@
           <a:p>
             <a:r>
               <a:rPr lang="de-DE" dirty="0"/>
-              <a:t>Listen</a:t>
+              <a:t>Aufgabe 9</a:t>
             </a:r>
           </a:p>
         </p:txBody>
@@ -3040,14 +3832,17 @@
           <a:bodyPr/>
           <a:lstStyle/>
           <a:p>
-            <a:endParaRPr lang="de-DE" dirty="0"/>
+            <a:r>
+              <a:rPr lang="de-DE" dirty="0"/>
+              <a:t>Live coding</a:t>
+            </a:r>
           </a:p>
         </p:txBody>
       </p:sp>
     </p:spTree>
     <p:extLst>
       <p:ext uri="{BB962C8B-B14F-4D97-AF65-F5344CB8AC3E}">
-        <p14:creationId xmlns:p14="http://schemas.microsoft.com/office/powerpoint/2010/main" val="1539360347"/>
+        <p14:creationId xmlns:p14="http://schemas.microsoft.com/office/powerpoint/2010/main" val="3633470951"/>
       </p:ext>
     </p:extLst>
   </p:cSld>
@@ -3091,7 +3886,7 @@
           <a:p>
             <a:r>
               <a:rPr lang="de-DE" dirty="0"/>
-              <a:t>LiveCoding</a:t>
+              <a:t>Einfach verkettete Listen</a:t>
             </a:r>
           </a:p>
         </p:txBody>
@@ -3108,26 +3903,54 @@
         </p:nvSpPr>
         <p:spPr/>
         <p:txBody>
-          <a:bodyPr/>
+          <a:bodyPr>
+            <a:normAutofit lnSpcReduction="10000"/>
+          </a:bodyPr>
           <a:lstStyle/>
           <a:p>
             <a:r>
               <a:rPr lang="de-DE" dirty="0"/>
-              <a:t>Aufgabe 8.1</a:t>
+              <a:t>Eine Liste ist in Java ein Behälter, der Objekte in einer festen Abfolge enthält</a:t>
             </a:r>
           </a:p>
           <a:p>
             <a:r>
               <a:rPr lang="de-DE" dirty="0"/>
-              <a:t>Aufgabe 9</a:t>
-            </a:r>
+              <a:t>Unterschied zu Arrays </a:t>
+            </a:r>
+            <a:r>
+              <a:rPr lang="de-DE" dirty="0">
+                <a:sym typeface="Wingdings" panose="05000000000000000000" pitchFamily="2" charset="2"/>
+              </a:rPr>
+              <a:t> Listen können flexible Mengen an Objekten enthalten.</a:t>
+            </a:r>
+            <a:endParaRPr lang="de-DE" dirty="0"/>
+          </a:p>
+          <a:p>
+            <a:r>
+              <a:rPr lang="de-DE" dirty="0"/>
+              <a:t>Diesem Vorteil steht der Nachteil des zeitintensiveren Suchens nach einzelenen Elementen gegenüber </a:t>
+            </a:r>
+            <a:r>
+              <a:rPr lang="de-DE" dirty="0">
+                <a:sym typeface="Wingdings" panose="05000000000000000000" pitchFamily="2" charset="2"/>
+              </a:rPr>
+              <a:t>  Liste muss jedesmal neu durchlaufgen werden </a:t>
+            </a:r>
+          </a:p>
+          <a:p>
+            <a:r>
+              <a:rPr lang="de-DE" dirty="0"/>
+              <a:t>Eine Liste besteht aus einzelnen Elementen, den Knoten. Bei einer einfach verketteten Liste kennt bis auf das letzte Element jeder Knoten seinen Nachfolger, besitzt somit also eine Referenz auf das nächste Objekt.</a:t>
+            </a:r>
+            <a:endParaRPr lang="de-DE" dirty="0"/>
           </a:p>
         </p:txBody>
       </p:sp>
     </p:spTree>
     <p:extLst>
       <p:ext uri="{BB962C8B-B14F-4D97-AF65-F5344CB8AC3E}">
-        <p14:creationId xmlns:p14="http://schemas.microsoft.com/office/powerpoint/2010/main" val="2929656865"/>
+        <p14:creationId xmlns:p14="http://schemas.microsoft.com/office/powerpoint/2010/main" val="1539360347"/>
       </p:ext>
     </p:extLst>
   </p:cSld>
@@ -3171,281 +3994,50 @@
           <a:p>
             <a:r>
               <a:rPr lang="de-DE" dirty="0"/>
-              <a:t>Abstrakte Klassen und Methoden </a:t>
-            </a:r>
-          </a:p>
-        </p:txBody>
-      </p:sp>
-      <p:sp>
-        <p:nvSpPr>
-          <p:cNvPr id="4" name="Rectangle 1"/>
-          <p:cNvSpPr>
-            <a:spLocks noGrp="1" noChangeArrowheads="1"/>
+              <a:t>Einfach verkettete Liste</a:t>
+            </a:r>
+          </a:p>
+        </p:txBody>
+      </p:sp>
+      <p:sp>
+        <p:nvSpPr>
+          <p:cNvPr id="3" name="Content Placeholder 2"/>
+          <p:cNvSpPr>
+            <a:spLocks noGrp="1"/>
           </p:cNvSpPr>
           <p:nvPr>
             <p:ph idx="1"/>
           </p:nvPr>
         </p:nvSpPr>
-        <p:spPr bwMode="auto">
-          <a:xfrm>
-            <a:off x="838200" y="1391886"/>
-            <a:ext cx="10542373" cy="1477328"/>
-          </a:xfrm>
-          <a:prstGeom prst="rect">
-            <a:avLst/>
-          </a:prstGeom>
-          <a:noFill/>
-          <a:ln>
-            <a:noFill/>
-          </a:ln>
-          <a:effectLst/>
-          <a:extLst>
-            <a:ext uri="{909E8E84-426E-40DD-AFC4-6F175D3DCCD1}">
-              <a14:hiddenFill xmlns:a14="http://schemas.microsoft.com/office/drawing/2010/main">
-                <a:solidFill>
-                  <a:schemeClr val="accent1"/>
-                </a:solidFill>
-              </a14:hiddenFill>
-            </a:ext>
-            <a:ext uri="{91240B29-F687-4F45-9708-019B960494DF}">
-              <a14:hiddenLine xmlns:a14="http://schemas.microsoft.com/office/drawing/2010/main" w="9525">
-                <a:solidFill>
-                  <a:schemeClr val="tx1"/>
-                </a:solidFill>
-                <a:miter lim="800000"/>
-                <a:headEnd/>
-                <a:tailEnd/>
-              </a14:hiddenLine>
-            </a:ext>
-            <a:ext uri="{AF507438-7753-43E0-B8FC-AC1667EBCBE1}">
-              <a14:hiddenEffects xmlns:a14="http://schemas.microsoft.com/office/drawing/2010/main">
-                <a:effectLst>
-                  <a:outerShdw dist="35921" dir="2700000" algn="ctr" rotWithShape="0">
-                    <a:schemeClr val="bg2"/>
-                  </a:outerShdw>
-                </a:effectLst>
-              </a14:hiddenEffects>
-            </a:ext>
-          </a:extLst>
-        </p:spPr>
-        <p:txBody>
-          <a:bodyPr vert="horz" wrap="none" lIns="91440" tIns="45720" rIns="91440" bIns="45720" numCol="1" anchor="ctr" anchorCtr="0" compatLnSpc="1">
-            <a:prstTxWarp prst="textNoShape">
-              <a:avLst/>
-            </a:prstTxWarp>
-            <a:spAutoFit/>
-          </a:bodyPr>
-          <a:lstStyle>
-            <a:lvl1pPr eaLnBrk="0" fontAlgn="base" hangingPunct="0">
-              <a:spcBef>
-                <a:spcPct val="0"/>
-              </a:spcBef>
-              <a:spcAft>
-                <a:spcPct val="0"/>
-              </a:spcAft>
-              <a:defRPr>
-                <a:solidFill>
-                  <a:schemeClr val="tx1"/>
-                </a:solidFill>
-                <a:latin typeface="Arial" panose="020B0604020202020204" pitchFamily="34" charset="0"/>
-              </a:defRPr>
-            </a:lvl1pPr>
-            <a:lvl2pPr eaLnBrk="0" fontAlgn="base" hangingPunct="0">
-              <a:spcBef>
-                <a:spcPct val="0"/>
-              </a:spcBef>
-              <a:spcAft>
-                <a:spcPct val="0"/>
-              </a:spcAft>
-              <a:defRPr>
-                <a:solidFill>
-                  <a:schemeClr val="tx1"/>
-                </a:solidFill>
-                <a:latin typeface="Arial" panose="020B0604020202020204" pitchFamily="34" charset="0"/>
-              </a:defRPr>
-            </a:lvl2pPr>
-            <a:lvl3pPr eaLnBrk="0" fontAlgn="base" hangingPunct="0">
-              <a:spcBef>
-                <a:spcPct val="0"/>
-              </a:spcBef>
-              <a:spcAft>
-                <a:spcPct val="0"/>
-              </a:spcAft>
-              <a:defRPr>
-                <a:solidFill>
-                  <a:schemeClr val="tx1"/>
-                </a:solidFill>
-                <a:latin typeface="Arial" panose="020B0604020202020204" pitchFamily="34" charset="0"/>
-              </a:defRPr>
-            </a:lvl3pPr>
-            <a:lvl4pPr eaLnBrk="0" fontAlgn="base" hangingPunct="0">
-              <a:spcBef>
-                <a:spcPct val="0"/>
-              </a:spcBef>
-              <a:spcAft>
-                <a:spcPct val="0"/>
-              </a:spcAft>
-              <a:defRPr>
-                <a:solidFill>
-                  <a:schemeClr val="tx1"/>
-                </a:solidFill>
-                <a:latin typeface="Arial" panose="020B0604020202020204" pitchFamily="34" charset="0"/>
-              </a:defRPr>
-            </a:lvl4pPr>
-            <a:lvl5pPr eaLnBrk="0" fontAlgn="base" hangingPunct="0">
-              <a:spcBef>
-                <a:spcPct val="0"/>
-              </a:spcBef>
-              <a:spcAft>
-                <a:spcPct val="0"/>
-              </a:spcAft>
-              <a:defRPr>
-                <a:solidFill>
-                  <a:schemeClr val="tx1"/>
-                </a:solidFill>
-                <a:latin typeface="Arial" panose="020B0604020202020204" pitchFamily="34" charset="0"/>
-              </a:defRPr>
-            </a:lvl5pPr>
-            <a:lvl6pPr eaLnBrk="0" fontAlgn="base" hangingPunct="0">
-              <a:spcBef>
-                <a:spcPct val="0"/>
-              </a:spcBef>
-              <a:spcAft>
-                <a:spcPct val="0"/>
-              </a:spcAft>
-              <a:defRPr>
-                <a:solidFill>
-                  <a:schemeClr val="tx1"/>
-                </a:solidFill>
-                <a:latin typeface="Arial" panose="020B0604020202020204" pitchFamily="34" charset="0"/>
-              </a:defRPr>
-            </a:lvl6pPr>
-            <a:lvl7pPr eaLnBrk="0" fontAlgn="base" hangingPunct="0">
-              <a:spcBef>
-                <a:spcPct val="0"/>
-              </a:spcBef>
-              <a:spcAft>
-                <a:spcPct val="0"/>
-              </a:spcAft>
-              <a:defRPr>
-                <a:solidFill>
-                  <a:schemeClr val="tx1"/>
-                </a:solidFill>
-                <a:latin typeface="Arial" panose="020B0604020202020204" pitchFamily="34" charset="0"/>
-              </a:defRPr>
-            </a:lvl7pPr>
-            <a:lvl8pPr eaLnBrk="0" fontAlgn="base" hangingPunct="0">
-              <a:spcBef>
-                <a:spcPct val="0"/>
-              </a:spcBef>
-              <a:spcAft>
-                <a:spcPct val="0"/>
-              </a:spcAft>
-              <a:defRPr>
-                <a:solidFill>
-                  <a:schemeClr val="tx1"/>
-                </a:solidFill>
-                <a:latin typeface="Arial" panose="020B0604020202020204" pitchFamily="34" charset="0"/>
-              </a:defRPr>
-            </a:lvl8pPr>
-            <a:lvl9pPr eaLnBrk="0" fontAlgn="base" hangingPunct="0">
-              <a:spcBef>
-                <a:spcPct val="0"/>
-              </a:spcBef>
-              <a:spcAft>
-                <a:spcPct val="0"/>
-              </a:spcAft>
-              <a:defRPr>
-                <a:solidFill>
-                  <a:schemeClr val="tx1"/>
-                </a:solidFill>
-                <a:latin typeface="Arial" panose="020B0604020202020204" pitchFamily="34" charset="0"/>
-              </a:defRPr>
-            </a:lvl9pPr>
-          </a:lstStyle>
-          <a:p>
-            <a:pPr marL="0" lvl="0" indent="0">
-              <a:lnSpc>
-                <a:spcPct val="100000"/>
-              </a:lnSpc>
-              <a:buNone/>
-            </a:pPr>
-            <a:r>
-              <a:rPr lang="de-DE" altLang="de-DE" sz="1800" dirty="0"/>
-              <a:t>I know basic use of abstract classes is to create templates for future classes. But are there any more </a:t>
-            </a:r>
-          </a:p>
-          <a:p>
-            <a:pPr marL="0" lvl="0" indent="0">
-              <a:lnSpc>
-                <a:spcPct val="100000"/>
-              </a:lnSpc>
-              <a:buNone/>
-            </a:pPr>
-            <a:r>
-              <a:rPr lang="de-DE" altLang="de-DE" sz="1800" dirty="0"/>
-              <a:t>uses of them?</a:t>
-            </a:r>
-            <a:endParaRPr lang="de-DE" altLang="de-DE" sz="1100" dirty="0"/>
-          </a:p>
-          <a:p>
-            <a:pPr marL="0" lvl="0" indent="0">
-              <a:lnSpc>
-                <a:spcPct val="100000"/>
-              </a:lnSpc>
-              <a:buNone/>
-            </a:pPr>
-            <a:r>
-              <a:rPr lang="de-DE" altLang="de-DE" sz="1800" dirty="0">
-                <a:solidFill>
-                  <a:srgbClr val="242729"/>
-                </a:solidFill>
-                <a:cs typeface="Arial" panose="020B0604020202020204" pitchFamily="34" charset="0"/>
-              </a:rPr>
-              <a:t>Not only can you define a template for children, but Abstract Classes offer the added benefit of letting </a:t>
-            </a:r>
-          </a:p>
-          <a:p>
-            <a:pPr marL="0" lvl="0" indent="0">
-              <a:lnSpc>
-                <a:spcPct val="100000"/>
-              </a:lnSpc>
-              <a:buNone/>
-            </a:pPr>
-            <a:r>
-              <a:rPr lang="de-DE" altLang="de-DE" sz="1800" dirty="0">
-                <a:solidFill>
-                  <a:srgbClr val="242729"/>
-                </a:solidFill>
-                <a:cs typeface="Arial" panose="020B0604020202020204" pitchFamily="34" charset="0"/>
-              </a:rPr>
-              <a:t>you define functionality that your child classes can utilize later.You can't provide an implementation </a:t>
-            </a:r>
-          </a:p>
-          <a:p>
-            <a:pPr marL="0" lvl="0" indent="0">
-              <a:lnSpc>
-                <a:spcPct val="100000"/>
-              </a:lnSpc>
-              <a:buNone/>
-            </a:pPr>
-            <a:r>
-              <a:rPr lang="de-DE" altLang="de-DE" sz="1800" dirty="0">
-                <a:solidFill>
-                  <a:srgbClr val="242729"/>
-                </a:solidFill>
-                <a:cs typeface="Arial" panose="020B0604020202020204" pitchFamily="34" charset="0"/>
-              </a:rPr>
-              <a:t>for an Interface.</a:t>
-            </a:r>
-            <a:endParaRPr lang="de-DE" altLang="de-DE" sz="3200" dirty="0"/>
+        <p:spPr/>
+        <p:txBody>
+          <a:bodyPr/>
+          <a:lstStyle/>
+          <a:p>
+            <a:r>
+              <a:rPr lang="de-DE" dirty="0"/>
+              <a:t>Man unterscheidet grundsätzlich zwischen einfach, mehrfach und doppelt verketteten Listen.</a:t>
+            </a:r>
+          </a:p>
+          <a:p>
+            <a:r>
+              <a:rPr lang="de-DE" dirty="0"/>
+              <a:t>In Java wurden schon spezielle Listen, wie die Klassen ArrayList, LinkedList und Vector implementiert</a:t>
+            </a:r>
+          </a:p>
+          <a:p>
+            <a:r>
+              <a:rPr lang="de-DE" dirty="0"/>
+              <a:t>Diese leiten sich von der abstrakten Klasse AbstractList ab, die schon grundlegende Funktionalität für Listen liefert. </a:t>
+            </a:r>
+            <a:endParaRPr lang="de-DE" dirty="0"/>
           </a:p>
         </p:txBody>
       </p:sp>
     </p:spTree>
     <p:extLst>
       <p:ext uri="{BB962C8B-B14F-4D97-AF65-F5344CB8AC3E}">
-        <p14:creationId xmlns:p14="http://schemas.microsoft.com/office/powerpoint/2010/main" val="2074307336"/>
+        <p14:creationId xmlns:p14="http://schemas.microsoft.com/office/powerpoint/2010/main" val="2163576660"/>
       </p:ext>
     </p:extLst>
   </p:cSld>
@@ -3489,7 +4081,7 @@
           <a:p>
             <a:r>
               <a:rPr lang="de-DE" dirty="0"/>
-              <a:t>Stack</a:t>
+              <a:t>Aufgabe 8.1</a:t>
             </a:r>
           </a:p>
         </p:txBody>
@@ -3511,7 +4103,7 @@
           <a:p>
             <a:r>
               <a:rPr lang="de-DE" dirty="0"/>
-              <a:t>Konzept für neue Aufgabe</a:t>
+              <a:t>Live coding</a:t>
             </a:r>
           </a:p>
         </p:txBody>
@@ -3519,7 +4111,324 @@
     </p:spTree>
     <p:extLst>
       <p:ext uri="{BB962C8B-B14F-4D97-AF65-F5344CB8AC3E}">
-        <p14:creationId xmlns:p14="http://schemas.microsoft.com/office/powerpoint/2010/main" val="1878776859"/>
+        <p14:creationId xmlns:p14="http://schemas.microsoft.com/office/powerpoint/2010/main" val="2929656865"/>
+      </p:ext>
+    </p:extLst>
+  </p:cSld>
+  <p:clrMapOvr>
+    <a:masterClrMapping/>
+  </p:clrMapOvr>
+</p:sld>
+</file>
+
+<file path=ppt/slides/slide6.xml><?xml version="1.0" encoding="utf-8"?>
+<p:sld xmlns:a="http://schemas.openxmlformats.org/drawingml/2006/main" xmlns:r="http://schemas.openxmlformats.org/officeDocument/2006/relationships" xmlns:p="http://schemas.openxmlformats.org/presentationml/2006/main">
+  <p:cSld>
+    <p:spTree>
+      <p:nvGrpSpPr>
+        <p:cNvPr id="1" name=""/>
+        <p:cNvGrpSpPr/>
+        <p:nvPr/>
+      </p:nvGrpSpPr>
+      <p:grpSpPr>
+        <a:xfrm>
+          <a:off x="0" y="0"/>
+          <a:ext cx="0" cy="0"/>
+          <a:chOff x="0" y="0"/>
+          <a:chExt cx="0" cy="0"/>
+        </a:xfrm>
+      </p:grpSpPr>
+      <p:sp>
+        <p:nvSpPr>
+          <p:cNvPr id="2" name="Title 1"/>
+          <p:cNvSpPr>
+            <a:spLocks noGrp="1"/>
+          </p:cNvSpPr>
+          <p:nvPr>
+            <p:ph type="title"/>
+          </p:nvPr>
+        </p:nvSpPr>
+        <p:spPr/>
+        <p:txBody>
+          <a:bodyPr/>
+          <a:lstStyle/>
+          <a:p>
+            <a:r>
+              <a:rPr lang="de-DE" dirty="0"/>
+              <a:t>Abstrakte Klassen</a:t>
+            </a:r>
+          </a:p>
+        </p:txBody>
+      </p:sp>
+      <p:sp>
+        <p:nvSpPr>
+          <p:cNvPr id="3" name="Content Placeholder 2"/>
+          <p:cNvSpPr>
+            <a:spLocks noGrp="1"/>
+          </p:cNvSpPr>
+          <p:nvPr>
+            <p:ph idx="1"/>
+          </p:nvPr>
+        </p:nvSpPr>
+        <p:spPr/>
+        <p:txBody>
+          <a:bodyPr/>
+          <a:lstStyle/>
+          <a:p>
+            <a:r>
+              <a:rPr lang="de-DE" dirty="0"/>
+              <a:t>Nicht immer soll eine Klasse sofort ausprogrammiert werden </a:t>
+            </a:r>
+          </a:p>
+          <a:p>
+            <a:pPr lvl="1"/>
+            <a:r>
+              <a:rPr lang="de-DE" dirty="0"/>
+              <a:t>Wenn Oberklassen lediglich Methoden für Unterklassen vorgeben möchte</a:t>
+            </a:r>
+          </a:p>
+          <a:p>
+            <a:pPr lvl="1"/>
+            <a:r>
+              <a:rPr lang="de-DE" dirty="0"/>
+              <a:t>In Java gibt es dazu zwei Konzepte: Interfaces (Schnittstellen) und abstrakte Klassen</a:t>
+            </a:r>
+          </a:p>
+          <a:p>
+            <a:r>
+              <a:rPr lang="de-DE" dirty="0"/>
+              <a:t>Bisher wurden Vererbungen eingesetzt und jede Klasse konnte ein Object bilden</a:t>
+            </a:r>
+          </a:p>
+          <a:p>
+            <a:pPr lvl="1"/>
+            <a:r>
+              <a:rPr lang="de-DE" dirty="0"/>
+              <a:t>Nicht immer sinnvoll</a:t>
+            </a:r>
+          </a:p>
+          <a:p>
+            <a:r>
+              <a:rPr lang="de-DE" dirty="0"/>
+              <a:t>Dies soll untersagt werden, wenn eine Klasse nur als Oberklasse in einer Vererbungshierarchie existieren soll.</a:t>
+            </a:r>
+          </a:p>
+        </p:txBody>
+      </p:sp>
+    </p:spTree>
+    <p:extLst>
+      <p:ext uri="{BB962C8B-B14F-4D97-AF65-F5344CB8AC3E}">
+        <p14:creationId xmlns:p14="http://schemas.microsoft.com/office/powerpoint/2010/main" val="3047329025"/>
+      </p:ext>
+    </p:extLst>
+  </p:cSld>
+  <p:clrMapOvr>
+    <a:masterClrMapping/>
+  </p:clrMapOvr>
+</p:sld>
+</file>
+
+<file path=ppt/slides/slide7.xml><?xml version="1.0" encoding="utf-8"?>
+<p:sld xmlns:a="http://schemas.openxmlformats.org/drawingml/2006/main" xmlns:r="http://schemas.openxmlformats.org/officeDocument/2006/relationships" xmlns:p="http://schemas.openxmlformats.org/presentationml/2006/main">
+  <p:cSld>
+    <p:spTree>
+      <p:nvGrpSpPr>
+        <p:cNvPr id="1" name=""/>
+        <p:cNvGrpSpPr/>
+        <p:nvPr/>
+      </p:nvGrpSpPr>
+      <p:grpSpPr>
+        <a:xfrm>
+          <a:off x="0" y="0"/>
+          <a:ext cx="0" cy="0"/>
+          <a:chOff x="0" y="0"/>
+          <a:chExt cx="0" cy="0"/>
+        </a:xfrm>
+      </p:grpSpPr>
+      <p:sp>
+        <p:nvSpPr>
+          <p:cNvPr id="2" name="Title 1"/>
+          <p:cNvSpPr>
+            <a:spLocks noGrp="1"/>
+          </p:cNvSpPr>
+          <p:nvPr>
+            <p:ph type="title"/>
+          </p:nvPr>
+        </p:nvSpPr>
+        <p:spPr/>
+        <p:txBody>
+          <a:bodyPr/>
+          <a:lstStyle/>
+          <a:p>
+            <a:r>
+              <a:rPr lang="de-DE" dirty="0"/>
+              <a:t>Abstracte Klassen</a:t>
+            </a:r>
+          </a:p>
+        </p:txBody>
+      </p:sp>
+      <p:sp>
+        <p:nvSpPr>
+          <p:cNvPr id="3" name="Content Placeholder 2"/>
+          <p:cNvSpPr>
+            <a:spLocks noGrp="1"/>
+          </p:cNvSpPr>
+          <p:nvPr>
+            <p:ph idx="1"/>
+          </p:nvPr>
+        </p:nvSpPr>
+        <p:spPr/>
+        <p:txBody>
+          <a:bodyPr/>
+          <a:lstStyle/>
+          <a:p>
+            <a:r>
+              <a:rPr lang="de-DE" dirty="0"/>
+              <a:t>Der Modifizierer abstract wird an die Typdeklaration der Oberklasse gesetzt</a:t>
+            </a:r>
+          </a:p>
+          <a:p>
+            <a:pPr lvl="1"/>
+            <a:r>
+              <a:rPr lang="de-DE" dirty="0"/>
+              <a:t>Von dieser Klasse können dann keine Exemplare gebildet werden</a:t>
+            </a:r>
+          </a:p>
+          <a:p>
+            <a:pPr lvl="1"/>
+            <a:r>
+              <a:rPr lang="de-DE" dirty="0"/>
+              <a:t>Versuch einer Objekterzeugung führt zu einem Compilerfehler</a:t>
+            </a:r>
+          </a:p>
+          <a:p>
+            <a:endParaRPr lang="de-DE" dirty="0"/>
+          </a:p>
+        </p:txBody>
+      </p:sp>
+    </p:spTree>
+    <p:extLst>
+      <p:ext uri="{BB962C8B-B14F-4D97-AF65-F5344CB8AC3E}">
+        <p14:creationId xmlns:p14="http://schemas.microsoft.com/office/powerpoint/2010/main" val="389954690"/>
+      </p:ext>
+    </p:extLst>
+  </p:cSld>
+  <p:clrMapOvr>
+    <a:masterClrMapping/>
+  </p:clrMapOvr>
+</p:sld>
+</file>
+
+<file path=ppt/slides/slide8.xml><?xml version="1.0" encoding="utf-8"?>
+<p:sld xmlns:a="http://schemas.openxmlformats.org/drawingml/2006/main" xmlns:r="http://schemas.openxmlformats.org/officeDocument/2006/relationships" xmlns:p="http://schemas.openxmlformats.org/presentationml/2006/main">
+  <p:cSld>
+    <p:spTree>
+      <p:nvGrpSpPr>
+        <p:cNvPr id="1" name=""/>
+        <p:cNvGrpSpPr/>
+        <p:nvPr/>
+      </p:nvGrpSpPr>
+      <p:grpSpPr>
+        <a:xfrm>
+          <a:off x="0" y="0"/>
+          <a:ext cx="0" cy="0"/>
+          <a:chOff x="0" y="0"/>
+          <a:chExt cx="0" cy="0"/>
+        </a:xfrm>
+      </p:grpSpPr>
+      <p:sp>
+        <p:nvSpPr>
+          <p:cNvPr id="2" name="Title 1"/>
+          <p:cNvSpPr>
+            <a:spLocks noGrp="1"/>
+          </p:cNvSpPr>
+          <p:nvPr>
+            <p:ph type="title"/>
+          </p:nvPr>
+        </p:nvSpPr>
+        <p:spPr/>
+        <p:txBody>
+          <a:bodyPr/>
+          <a:lstStyle/>
+          <a:p>
+            <a:r>
+              <a:rPr lang="de-DE" dirty="0"/>
+              <a:t>Abstrakte Methoden</a:t>
+            </a:r>
+          </a:p>
+        </p:txBody>
+      </p:sp>
+      <p:sp>
+        <p:nvSpPr>
+          <p:cNvPr id="3" name="Content Placeholder 2"/>
+          <p:cNvSpPr>
+            <a:spLocks noGrp="1"/>
+          </p:cNvSpPr>
+          <p:nvPr>
+            <p:ph idx="1"/>
+          </p:nvPr>
+        </p:nvSpPr>
+        <p:spPr/>
+        <p:txBody>
+          <a:bodyPr>
+            <a:normAutofit lnSpcReduction="10000"/>
+          </a:bodyPr>
+          <a:lstStyle/>
+          <a:p>
+            <a:r>
+              <a:rPr lang="de-DE" dirty="0"/>
+              <a:t>Gibt lediglich die Signatur vor</a:t>
+            </a:r>
+          </a:p>
+          <a:p>
+            <a:pPr lvl="1"/>
+            <a:r>
+              <a:rPr lang="de-DE" dirty="0"/>
+              <a:t>Eine Unterklasse implementiert diese Methode</a:t>
+            </a:r>
+          </a:p>
+          <a:p>
+            <a:pPr lvl="1"/>
+            <a:r>
+              <a:rPr lang="de-DE" dirty="0"/>
+              <a:t>Methode ohne Rumpf</a:t>
+            </a:r>
+          </a:p>
+          <a:p>
+            <a:r>
+              <a:rPr lang="de-DE" dirty="0"/>
+              <a:t>Abstrakte Methoden drücken aus, dass die Oberklasse keine Ahnung von der Implementierung hat und dass sich die Unterklassen darum kümmern müssen</a:t>
+            </a:r>
+          </a:p>
+          <a:p>
+            <a:r>
+              <a:rPr lang="de-DE" dirty="0"/>
+              <a:t>Abstrakte Klassen können abstrakte Methoden enthalten, müssen aber nicht</a:t>
+            </a:r>
+          </a:p>
+          <a:p>
+            <a:pPr lvl="1"/>
+            <a:r>
+              <a:rPr lang="de-DE" dirty="0"/>
+              <a:t>Enthält eine Klasse (mindestens) eine abstrakte Methode, dann muß auch die Klasse abstract sein. </a:t>
+            </a:r>
+            <a:endParaRPr lang="de-DE" dirty="0"/>
+          </a:p>
+          <a:p>
+            <a:r>
+              <a:rPr lang="de-DE" dirty="0"/>
+              <a:t>Public abstract void methodname();</a:t>
+            </a:r>
+          </a:p>
+          <a:p>
+            <a:endParaRPr lang="de-DE" dirty="0"/>
+          </a:p>
+        </p:txBody>
+      </p:sp>
+    </p:spTree>
+    <p:extLst>
+      <p:ext uri="{BB962C8B-B14F-4D97-AF65-F5344CB8AC3E}">
+        <p14:creationId xmlns:p14="http://schemas.microsoft.com/office/powerpoint/2010/main" val="1874412402"/>
       </p:ext>
     </p:extLst>
   </p:cSld>
@@ -3822,4 +4731,299 @@
     </a:ext>
   </a:extLst>
 </a:theme>
+</file>
+
+<file path=ppt/theme/theme2.xml><?xml version="1.0" encoding="utf-8"?>
+<a:theme xmlns:a="http://schemas.openxmlformats.org/drawingml/2006/main" name="Office Theme">
+  <a:themeElements>
+    <a:clrScheme name="Office">
+      <a:dk1>
+        <a:sysClr val="windowText" lastClr="000000"/>
+      </a:dk1>
+      <a:lt1>
+        <a:sysClr val="window" lastClr="FFFFFF"/>
+      </a:lt1>
+      <a:dk2>
+        <a:srgbClr val="44546A"/>
+      </a:dk2>
+      <a:lt2>
+        <a:srgbClr val="E7E6E6"/>
+      </a:lt2>
+      <a:accent1>
+        <a:srgbClr val="5B9BD5"/>
+      </a:accent1>
+      <a:accent2>
+        <a:srgbClr val="ED7D31"/>
+      </a:accent2>
+      <a:accent3>
+        <a:srgbClr val="A5A5A5"/>
+      </a:accent3>
+      <a:accent4>
+        <a:srgbClr val="FFC000"/>
+      </a:accent4>
+      <a:accent5>
+        <a:srgbClr val="4472C4"/>
+      </a:accent5>
+      <a:accent6>
+        <a:srgbClr val="70AD47"/>
+      </a:accent6>
+      <a:hlink>
+        <a:srgbClr val="0563C1"/>
+      </a:hlink>
+      <a:folHlink>
+        <a:srgbClr val="954F72"/>
+      </a:folHlink>
+    </a:clrScheme>
+    <a:fontScheme name="Office">
+      <a:majorFont>
+        <a:latin typeface="Calibri Light" panose="020F0302020204030204"/>
+        <a:ea typeface=""/>
+        <a:cs typeface=""/>
+        <a:font script="Jpan" typeface="游ゴシック Light"/>
+        <a:font script="Hang" typeface="맑은 고딕"/>
+        <a:font script="Hans" typeface="等线 Light"/>
+        <a:font script="Hant" typeface="新細明體"/>
+        <a:font script="Arab" typeface="Times New Roman"/>
+        <a:font script="Hebr" typeface="Times New Roman"/>
+        <a:font script="Thai" typeface="Angsana New"/>
+        <a:font script="Ethi" typeface="Nyala"/>
+        <a:font script="Beng" typeface="Vrinda"/>
+        <a:font script="Gujr" typeface="Shruti"/>
+        <a:font script="Khmr" typeface="MoolBoran"/>
+        <a:font script="Knda" typeface="Tunga"/>
+        <a:font script="Guru" typeface="Raavi"/>
+        <a:font script="Cans" typeface="Euphemia"/>
+        <a:font script="Cher" typeface="Plantagenet Cherokee"/>
+        <a:font script="Yiii" typeface="Microsoft Yi Baiti"/>
+        <a:font script="Tibt" typeface="Microsoft Himalaya"/>
+        <a:font script="Thaa" typeface="MV Boli"/>
+        <a:font script="Deva" typeface="Mangal"/>
+        <a:font script="Telu" typeface="Gautami"/>
+        <a:font script="Taml" typeface="Latha"/>
+        <a:font script="Syrc" typeface="Estrangelo Edessa"/>
+        <a:font script="Orya" typeface="Kalinga"/>
+        <a:font script="Mlym" typeface="Kartika"/>
+        <a:font script="Laoo" typeface="DokChampa"/>
+        <a:font script="Sinh" typeface="Iskoola Pota"/>
+        <a:font script="Mong" typeface="Mongolian Baiti"/>
+        <a:font script="Viet" typeface="Times New Roman"/>
+        <a:font script="Uigh" typeface="Microsoft Uighur"/>
+        <a:font script="Geor" typeface="Sylfaen"/>
+        <a:font script="Armn" typeface="Arial"/>
+        <a:font script="Bugi" typeface="Leelawadee UI"/>
+        <a:font script="Bopo" typeface="Microsoft JhengHei"/>
+        <a:font script="Java" typeface="Javanese Text"/>
+        <a:font script="Lisu" typeface="Segoe UI"/>
+        <a:font script="Mymr" typeface="Myanmar Text"/>
+        <a:font script="Nkoo" typeface="Ebrima"/>
+        <a:font script="Olck" typeface="Nirmala UI"/>
+        <a:font script="Osma" typeface="Ebrima"/>
+        <a:font script="Phag" typeface="Phagspa"/>
+        <a:font script="Syrn" typeface="Estrangelo Edessa"/>
+        <a:font script="Syrj" typeface="Estrangelo Edessa"/>
+        <a:font script="Syre" typeface="Estrangelo Edessa"/>
+        <a:font script="Sora" typeface="Nirmala UI"/>
+        <a:font script="Tale" typeface="Microsoft Tai Le"/>
+        <a:font script="Talu" typeface="Microsoft New Tai Lue"/>
+        <a:font script="Tfng" typeface="Ebrima"/>
+      </a:majorFont>
+      <a:minorFont>
+        <a:latin typeface="Calibri" panose="020F0502020204030204"/>
+        <a:ea typeface=""/>
+        <a:cs typeface=""/>
+        <a:font script="Jpan" typeface="游ゴシック"/>
+        <a:font script="Hang" typeface="맑은 고딕"/>
+        <a:font script="Hans" typeface="等线"/>
+        <a:font script="Hant" typeface="新細明體"/>
+        <a:font script="Arab" typeface="Arial"/>
+        <a:font script="Hebr" typeface="Arial"/>
+        <a:font script="Thai" typeface="Cordia New"/>
+        <a:font script="Ethi" typeface="Nyala"/>
+        <a:font script="Beng" typeface="Vrinda"/>
+        <a:font script="Gujr" typeface="Shruti"/>
+        <a:font script="Khmr" typeface="DaunPenh"/>
+        <a:font script="Knda" typeface="Tunga"/>
+        <a:font script="Guru" typeface="Raavi"/>
+        <a:font script="Cans" typeface="Euphemia"/>
+        <a:font script="Cher" typeface="Plantagenet Cherokee"/>
+        <a:font script="Yiii" typeface="Microsoft Yi Baiti"/>
+        <a:font script="Tibt" typeface="Microsoft Himalaya"/>
+        <a:font script="Thaa" typeface="MV Boli"/>
+        <a:font script="Deva" typeface="Mangal"/>
+        <a:font script="Telu" typeface="Gautami"/>
+        <a:font script="Taml" typeface="Latha"/>
+        <a:font script="Syrc" typeface="Estrangelo Edessa"/>
+        <a:font script="Orya" typeface="Kalinga"/>
+        <a:font script="Mlym" typeface="Kartika"/>
+        <a:font script="Laoo" typeface="DokChampa"/>
+        <a:font script="Sinh" typeface="Iskoola Pota"/>
+        <a:font script="Mong" typeface="Mongolian Baiti"/>
+        <a:font script="Viet" typeface="Arial"/>
+        <a:font script="Uigh" typeface="Microsoft Uighur"/>
+        <a:font script="Geor" typeface="Sylfaen"/>
+        <a:font script="Armn" typeface="Arial"/>
+        <a:font script="Bugi" typeface="Leelawadee UI"/>
+        <a:font script="Bopo" typeface="Microsoft JhengHei"/>
+        <a:font script="Java" typeface="Javanese Text"/>
+        <a:font script="Lisu" typeface="Segoe UI"/>
+        <a:font script="Mymr" typeface="Myanmar Text"/>
+        <a:font script="Nkoo" typeface="Ebrima"/>
+        <a:font script="Olck" typeface="Nirmala UI"/>
+        <a:font script="Osma" typeface="Ebrima"/>
+        <a:font script="Phag" typeface="Phagspa"/>
+        <a:font script="Syrn" typeface="Estrangelo Edessa"/>
+        <a:font script="Syrj" typeface="Estrangelo Edessa"/>
+        <a:font script="Syre" typeface="Estrangelo Edessa"/>
+        <a:font script="Sora" typeface="Nirmala UI"/>
+        <a:font script="Tale" typeface="Microsoft Tai Le"/>
+        <a:font script="Talu" typeface="Microsoft New Tai Lue"/>
+        <a:font script="Tfng" typeface="Ebrima"/>
+      </a:minorFont>
+    </a:fontScheme>
+    <a:fmtScheme name="Office">
+      <a:fillStyleLst>
+        <a:solidFill>
+          <a:schemeClr val="phClr"/>
+        </a:solidFill>
+        <a:gradFill rotWithShape="1">
+          <a:gsLst>
+            <a:gs pos="0">
+              <a:schemeClr val="phClr">
+                <a:lumMod val="110000"/>
+                <a:satMod val="105000"/>
+                <a:tint val="67000"/>
+              </a:schemeClr>
+            </a:gs>
+            <a:gs pos="50000">
+              <a:schemeClr val="phClr">
+                <a:lumMod val="105000"/>
+                <a:satMod val="103000"/>
+                <a:tint val="73000"/>
+              </a:schemeClr>
+            </a:gs>
+            <a:gs pos="100000">
+              <a:schemeClr val="phClr">
+                <a:lumMod val="105000"/>
+                <a:satMod val="109000"/>
+                <a:tint val="81000"/>
+              </a:schemeClr>
+            </a:gs>
+          </a:gsLst>
+          <a:lin ang="5400000" scaled="0"/>
+        </a:gradFill>
+        <a:gradFill rotWithShape="1">
+          <a:gsLst>
+            <a:gs pos="0">
+              <a:schemeClr val="phClr">
+                <a:satMod val="103000"/>
+                <a:lumMod val="102000"/>
+                <a:tint val="94000"/>
+              </a:schemeClr>
+            </a:gs>
+            <a:gs pos="50000">
+              <a:schemeClr val="phClr">
+                <a:satMod val="110000"/>
+                <a:lumMod val="100000"/>
+                <a:shade val="100000"/>
+              </a:schemeClr>
+            </a:gs>
+            <a:gs pos="100000">
+              <a:schemeClr val="phClr">
+                <a:lumMod val="99000"/>
+                <a:satMod val="120000"/>
+                <a:shade val="78000"/>
+              </a:schemeClr>
+            </a:gs>
+          </a:gsLst>
+          <a:lin ang="5400000" scaled="0"/>
+        </a:gradFill>
+      </a:fillStyleLst>
+      <a:lnStyleLst>
+        <a:ln w="6350" cap="flat" cmpd="sng" algn="ctr">
+          <a:solidFill>
+            <a:schemeClr val="phClr"/>
+          </a:solidFill>
+          <a:prstDash val="solid"/>
+          <a:miter lim="800000"/>
+        </a:ln>
+        <a:ln w="12700" cap="flat" cmpd="sng" algn="ctr">
+          <a:solidFill>
+            <a:schemeClr val="phClr"/>
+          </a:solidFill>
+          <a:prstDash val="solid"/>
+          <a:miter lim="800000"/>
+        </a:ln>
+        <a:ln w="19050" cap="flat" cmpd="sng" algn="ctr">
+          <a:solidFill>
+            <a:schemeClr val="phClr"/>
+          </a:solidFill>
+          <a:prstDash val="solid"/>
+          <a:miter lim="800000"/>
+        </a:ln>
+      </a:lnStyleLst>
+      <a:effectStyleLst>
+        <a:effectStyle>
+          <a:effectLst/>
+        </a:effectStyle>
+        <a:effectStyle>
+          <a:effectLst/>
+        </a:effectStyle>
+        <a:effectStyle>
+          <a:effectLst>
+            <a:outerShdw blurRad="57150" dist="19050" dir="5400000" algn="ctr" rotWithShape="0">
+              <a:srgbClr val="000000">
+                <a:alpha val="63000"/>
+              </a:srgbClr>
+            </a:outerShdw>
+          </a:effectLst>
+        </a:effectStyle>
+      </a:effectStyleLst>
+      <a:bgFillStyleLst>
+        <a:solidFill>
+          <a:schemeClr val="phClr"/>
+        </a:solidFill>
+        <a:solidFill>
+          <a:schemeClr val="phClr">
+            <a:tint val="95000"/>
+            <a:satMod val="170000"/>
+          </a:schemeClr>
+        </a:solidFill>
+        <a:gradFill rotWithShape="1">
+          <a:gsLst>
+            <a:gs pos="0">
+              <a:schemeClr val="phClr">
+                <a:tint val="93000"/>
+                <a:satMod val="150000"/>
+                <a:shade val="98000"/>
+                <a:lumMod val="102000"/>
+              </a:schemeClr>
+            </a:gs>
+            <a:gs pos="50000">
+              <a:schemeClr val="phClr">
+                <a:tint val="98000"/>
+                <a:satMod val="130000"/>
+                <a:shade val="90000"/>
+                <a:lumMod val="103000"/>
+              </a:schemeClr>
+            </a:gs>
+            <a:gs pos="100000">
+              <a:schemeClr val="phClr">
+                <a:shade val="63000"/>
+                <a:satMod val="120000"/>
+              </a:schemeClr>
+            </a:gs>
+          </a:gsLst>
+          <a:lin ang="5400000" scaled="0"/>
+        </a:gradFill>
+      </a:bgFillStyleLst>
+    </a:fmtScheme>
+  </a:themeElements>
+  <a:objectDefaults/>
+  <a:extraClrSchemeLst/>
+  <a:extLst>
+    <a:ext uri="{05A4C25C-085E-4340-85A3-A5531E510DB2}">
+      <thm15:themeFamily xmlns:thm15="http://schemas.microsoft.com/office/thememl/2012/main" name="Office Theme" id="{62F939B6-93AF-4DB8-9C6B-D6C7DFDC589F}" vid="{4A3C46E8-61CC-4603-A589-7422A47A8E4A}"/>
+    </a:ext>
+  </a:extLst>
+</a:theme>
 </file>